--- a/Projects/physical-education-curriculum/presentations/classroom-management/GYM HOUSEKEEPING.pptx
+++ b/Projects/physical-education-curriculum/presentations/classroom-management/GYM HOUSEKEEPING.pptx
@@ -15,7 +15,6 @@
     <p:sldId id="260" r:id="rId12"/>
     <p:sldId id="263" r:id="rId13"/>
     <p:sldId id="258" r:id="rId14"/>
-    <p:sldId id="264" r:id="rId15"/>
   </p:sldIdLst>
   <p:sldSz cx="12192000" cy="6858000"/>
   <p:notesSz cx="6858000" cy="9144000"/>
@@ -269,7 +268,7 @@
           <a:p>
             <a:fld id="{5FF36C79-FCEB-4718-800A-2508417C3F89}" type="datetimeFigureOut">
               <a:rPr lang="en-US" smtClean="0"/>
-              <a:t>12/4/2023</a:t>
+              <a:t>11/6/2025</a:t>
             </a:fld>
             <a:endParaRPr lang="en-US"/>
           </a:p>
@@ -467,7 +466,7 @@
           <a:p>
             <a:fld id="{5FF36C79-FCEB-4718-800A-2508417C3F89}" type="datetimeFigureOut">
               <a:rPr lang="en-US" smtClean="0"/>
-              <a:t>12/4/2023</a:t>
+              <a:t>11/6/2025</a:t>
             </a:fld>
             <a:endParaRPr lang="en-US"/>
           </a:p>
@@ -675,7 +674,7 @@
           <a:p>
             <a:fld id="{5FF36C79-FCEB-4718-800A-2508417C3F89}" type="datetimeFigureOut">
               <a:rPr lang="en-US" smtClean="0"/>
-              <a:t>12/4/2023</a:t>
+              <a:t>11/6/2025</a:t>
             </a:fld>
             <a:endParaRPr lang="en-US"/>
           </a:p>
@@ -873,7 +872,7 @@
           <a:p>
             <a:fld id="{5FF36C79-FCEB-4718-800A-2508417C3F89}" type="datetimeFigureOut">
               <a:rPr lang="en-US" smtClean="0"/>
-              <a:t>12/4/2023</a:t>
+              <a:t>11/6/2025</a:t>
             </a:fld>
             <a:endParaRPr lang="en-US"/>
           </a:p>
@@ -1148,7 +1147,7 @@
           <a:p>
             <a:fld id="{5FF36C79-FCEB-4718-800A-2508417C3F89}" type="datetimeFigureOut">
               <a:rPr lang="en-US" smtClean="0"/>
-              <a:t>12/4/2023</a:t>
+              <a:t>11/6/2025</a:t>
             </a:fld>
             <a:endParaRPr lang="en-US"/>
           </a:p>
@@ -1413,7 +1412,7 @@
           <a:p>
             <a:fld id="{5FF36C79-FCEB-4718-800A-2508417C3F89}" type="datetimeFigureOut">
               <a:rPr lang="en-US" smtClean="0"/>
-              <a:t>12/4/2023</a:t>
+              <a:t>11/6/2025</a:t>
             </a:fld>
             <a:endParaRPr lang="en-US"/>
           </a:p>
@@ -1825,7 +1824,7 @@
           <a:p>
             <a:fld id="{5FF36C79-FCEB-4718-800A-2508417C3F89}" type="datetimeFigureOut">
               <a:rPr lang="en-US" smtClean="0"/>
-              <a:t>12/4/2023</a:t>
+              <a:t>11/6/2025</a:t>
             </a:fld>
             <a:endParaRPr lang="en-US"/>
           </a:p>
@@ -1966,7 +1965,7 @@
           <a:p>
             <a:fld id="{5FF36C79-FCEB-4718-800A-2508417C3F89}" type="datetimeFigureOut">
               <a:rPr lang="en-US" smtClean="0"/>
-              <a:t>12/4/2023</a:t>
+              <a:t>11/6/2025</a:t>
             </a:fld>
             <a:endParaRPr lang="en-US"/>
           </a:p>
@@ -2079,7 +2078,7 @@
           <a:p>
             <a:fld id="{5FF36C79-FCEB-4718-800A-2508417C3F89}" type="datetimeFigureOut">
               <a:rPr lang="en-US" smtClean="0"/>
-              <a:t>12/4/2023</a:t>
+              <a:t>11/6/2025</a:t>
             </a:fld>
             <a:endParaRPr lang="en-US"/>
           </a:p>
@@ -2390,7 +2389,7 @@
           <a:p>
             <a:fld id="{5FF36C79-FCEB-4718-800A-2508417C3F89}" type="datetimeFigureOut">
               <a:rPr lang="en-US" smtClean="0"/>
-              <a:t>12/4/2023</a:t>
+              <a:t>11/6/2025</a:t>
             </a:fld>
             <a:endParaRPr lang="en-US"/>
           </a:p>
@@ -2678,7 +2677,7 @@
           <a:p>
             <a:fld id="{5FF36C79-FCEB-4718-800A-2508417C3F89}" type="datetimeFigureOut">
               <a:rPr lang="en-US" smtClean="0"/>
-              <a:t>12/4/2023</a:t>
+              <a:t>11/6/2025</a:t>
             </a:fld>
             <a:endParaRPr lang="en-US"/>
           </a:p>
@@ -2919,7 +2918,7 @@
           <a:p>
             <a:fld id="{5FF36C79-FCEB-4718-800A-2508417C3F89}" type="datetimeFigureOut">
               <a:rPr lang="en-US" smtClean="0"/>
-              <a:t>12/4/2023</a:t>
+              <a:t>11/6/2025</a:t>
             </a:fld>
             <a:endParaRPr lang="en-US"/>
           </a:p>
@@ -3544,7 +3543,12 @@
             <p:ph type="body" idx="1"/>
           </p:nvPr>
         </p:nvSpPr>
-        <p:spPr/>
+        <p:spPr>
+          <a:xfrm>
+            <a:off x="3367328" y="1853692"/>
+            <a:ext cx="5157787" cy="823912"/>
+          </a:xfrm>
+        </p:spPr>
         <p:txBody>
           <a:bodyPr/>
           <a:lstStyle/>
@@ -3592,76 +3596,7 @@
         </p:blipFill>
         <p:spPr>
           <a:xfrm>
-            <a:off x="1576387" y="2505075"/>
-            <a:ext cx="3684588" cy="3684588"/>
-          </a:xfrm>
-        </p:spPr>
-      </p:pic>
-      <p:sp>
-        <p:nvSpPr>
-          <p:cNvPr id="5" name="Text Placeholder 4">
-            <a:extLst>
-              <a:ext uri="{FF2B5EF4-FFF2-40B4-BE49-F238E27FC236}">
-                <a16:creationId xmlns:a16="http://schemas.microsoft.com/office/drawing/2014/main" id="{9A013CD7-4E78-2D63-AD62-9FE5638DCCCF}"/>
-              </a:ext>
-            </a:extLst>
-          </p:cNvPr>
-          <p:cNvSpPr>
-            <a:spLocks noGrp="1"/>
-          </p:cNvSpPr>
-          <p:nvPr>
-            <p:ph type="body" sz="quarter" idx="3"/>
-          </p:nvPr>
-        </p:nvSpPr>
-        <p:spPr/>
-        <p:txBody>
-          <a:bodyPr/>
-          <a:lstStyle/>
-          <a:p>
-            <a:pPr algn="ctr"/>
-            <a:r>
-              <a:rPr lang="en-US">
-                <a:solidFill>
-                  <a:srgbClr val="FF0000"/>
-                </a:solidFill>
-                <a:latin typeface="Agency FB" panose="020B0503020202020204" pitchFamily="34" charset="0"/>
-              </a:rPr>
-              <a:t>COACH GAWLIK</a:t>
-            </a:r>
-          </a:p>
-        </p:txBody>
-      </p:sp>
-      <p:pic>
-        <p:nvPicPr>
-          <p:cNvPr id="10" name="Content Placeholder 9" descr="A qr code with blue squares&#10;&#10;Description automatically generated">
-            <a:extLst>
-              <a:ext uri="{FF2B5EF4-FFF2-40B4-BE49-F238E27FC236}">
-                <a16:creationId xmlns:a16="http://schemas.microsoft.com/office/drawing/2014/main" id="{08D49BC5-11D5-8582-18DC-91673E505C17}"/>
-              </a:ext>
-            </a:extLst>
-          </p:cNvPr>
-          <p:cNvPicPr>
-            <a:picLocks noGrp="1" noChangeAspect="1"/>
-          </p:cNvPicPr>
-          <p:nvPr>
-            <p:ph sz="quarter" idx="4"/>
-          </p:nvPr>
-        </p:nvPicPr>
-        <p:blipFill>
-          <a:blip r:embed="rId3">
-            <a:extLst>
-              <a:ext uri="{28A0092B-C50C-407E-A947-70E740481C1C}">
-                <a14:useLocalDpi xmlns:a14="http://schemas.microsoft.com/office/drawing/2010/main" val="0"/>
-              </a:ext>
-            </a:extLst>
-          </a:blip>
-          <a:stretch>
-            <a:fillRect/>
-          </a:stretch>
-        </p:blipFill>
-        <p:spPr>
-          <a:xfrm>
-            <a:off x="6921500" y="2505075"/>
+            <a:off x="4103927" y="2677604"/>
             <a:ext cx="3684588" cy="3684588"/>
           </a:xfrm>
         </p:spPr>
@@ -3680,118 +3615,6 @@
     <mc:Choice Requires="p15">
       <p:transition xmlns:p14="http://schemas.microsoft.com/office/powerpoint/2010/main" spd="slow" p14:dur="1250">
         <p15:prstTrans prst="airplane"/>
-      </p:transition>
-    </mc:Choice>
-    <mc:Fallback xmlns="">
-      <p:transition spd="slow">
-        <p:fade/>
-      </p:transition>
-    </mc:Fallback>
-  </mc:AlternateContent>
-</p:sld>
-</file>
-
-<file path=ppt/slides/slide11.xml><?xml version="1.0" encoding="utf-8"?>
-<p:sld xmlns:a="http://schemas.openxmlformats.org/drawingml/2006/main" xmlns:r="http://schemas.openxmlformats.org/officeDocument/2006/relationships" xmlns:p="http://schemas.openxmlformats.org/presentationml/2006/main">
-  <p:cSld>
-    <p:spTree>
-      <p:nvGrpSpPr>
-        <p:cNvPr id="1" name=""/>
-        <p:cNvGrpSpPr/>
-        <p:nvPr/>
-      </p:nvGrpSpPr>
-      <p:grpSpPr>
-        <a:xfrm>
-          <a:off x="0" y="0"/>
-          <a:ext cx="0" cy="0"/>
-          <a:chOff x="0" y="0"/>
-          <a:chExt cx="0" cy="0"/>
-        </a:xfrm>
-      </p:grpSpPr>
-      <p:sp>
-        <p:nvSpPr>
-          <p:cNvPr id="2" name="Title 1">
-            <a:extLst>
-              <a:ext uri="{FF2B5EF4-FFF2-40B4-BE49-F238E27FC236}">
-                <a16:creationId xmlns:a16="http://schemas.microsoft.com/office/drawing/2014/main" id="{6603504F-7316-96E6-BA49-FD2A254610E4}"/>
-              </a:ext>
-            </a:extLst>
-          </p:cNvPr>
-          <p:cNvSpPr>
-            <a:spLocks noGrp="1"/>
-          </p:cNvSpPr>
-          <p:nvPr>
-            <p:ph type="title"/>
-          </p:nvPr>
-        </p:nvSpPr>
-        <p:spPr/>
-        <p:txBody>
-          <a:bodyPr/>
-          <a:lstStyle/>
-          <a:p>
-            <a:pPr algn="ctr"/>
-            <a:r>
-              <a:rPr lang="en-US">
-                <a:solidFill>
-                  <a:srgbClr val="FF0000"/>
-                </a:solidFill>
-                <a:latin typeface="Agency FB" panose="020B0503020202020204" pitchFamily="34" charset="0"/>
-              </a:rPr>
-              <a:t>PE INTEREST FORM</a:t>
-            </a:r>
-          </a:p>
-        </p:txBody>
-      </p:sp>
-      <p:pic>
-        <p:nvPicPr>
-          <p:cNvPr id="4" name="Picture 3" descr="A qr code with blue squares&#10;&#10;Description automatically generated">
-            <a:extLst>
-              <a:ext uri="{FF2B5EF4-FFF2-40B4-BE49-F238E27FC236}">
-                <a16:creationId xmlns:a16="http://schemas.microsoft.com/office/drawing/2014/main" id="{D07AA281-8E1F-112B-1B70-4E1A5BBFCB16}"/>
-              </a:ext>
-            </a:extLst>
-          </p:cNvPr>
-          <p:cNvPicPr>
-            <a:picLocks noChangeAspect="1"/>
-          </p:cNvPicPr>
-          <p:nvPr/>
-        </p:nvPicPr>
-        <p:blipFill>
-          <a:blip r:embed="rId2">
-            <a:extLst>
-              <a:ext uri="{28A0092B-C50C-407E-A947-70E740481C1C}">
-                <a14:useLocalDpi xmlns:a14="http://schemas.microsoft.com/office/drawing/2010/main" val="0"/>
-              </a:ext>
-            </a:extLst>
-          </a:blip>
-          <a:stretch>
-            <a:fillRect/>
-          </a:stretch>
-        </p:blipFill>
-        <p:spPr>
-          <a:xfrm>
-            <a:off x="4267200" y="1960418"/>
-            <a:ext cx="4052058" cy="4052058"/>
-          </a:xfrm>
-          <a:prstGeom prst="rect">
-            <a:avLst/>
-          </a:prstGeom>
-        </p:spPr>
-      </p:pic>
-    </p:spTree>
-    <p:extLst>
-      <p:ext uri="{BB962C8B-B14F-4D97-AF65-F5344CB8AC3E}">
-        <p14:creationId xmlns:p14="http://schemas.microsoft.com/office/powerpoint/2010/main" val="3423933308"/>
-      </p:ext>
-    </p:extLst>
-  </p:cSld>
-  <p:clrMapOvr>
-    <a:masterClrMapping/>
-  </p:clrMapOvr>
-  <mc:AlternateContent xmlns:mc="http://schemas.openxmlformats.org/markup-compatibility/2006" xmlns:p14="http://schemas.microsoft.com/office/powerpoint/2010/main">
-    <mc:Choice Requires="p14">
-      <p:transition spd="slow" p14:dur="1400">
-        <p14:ripple/>
       </p:transition>
     </mc:Choice>
     <mc:Fallback xmlns="">
@@ -4469,13 +4292,13 @@
   <p:clrMapOvr>
     <a:masterClrMapping/>
   </p:clrMapOvr>
-  <mc:AlternateContent xmlns:mc="http://schemas.openxmlformats.org/markup-compatibility/2006">
-    <mc:Choice xmlns:p14="http://schemas.microsoft.com/office/powerpoint/2010/main" Requires="p14">
+  <mc:AlternateContent xmlns:mc="http://schemas.openxmlformats.org/markup-compatibility/2006" xmlns:p14="http://schemas.microsoft.com/office/powerpoint/2010/main">
+    <mc:Choice Requires="p14">
       <p:transition spd="slow" p14:dur="900">
         <p14:warp dir="in"/>
       </p:transition>
     </mc:Choice>
-    <mc:Fallback>
+    <mc:Fallback xmlns="">
       <p:transition spd="slow">
         <p:fade/>
       </p:transition>
@@ -5808,21 +5631,6 @@
 </file>
 
 <file path=customXml/item1.xml><?xml version="1.0" encoding="utf-8"?>
-<?mso-contentType ?>
-<FormTemplates xmlns="http://schemas.microsoft.com/sharepoint/v3/contenttype/forms">
-  <Display>DocumentLibraryForm</Display>
-  <Edit>DocumentLibraryForm</Edit>
-  <New>DocumentLibraryForm</New>
-</FormTemplates>
-</file>
-
-<file path=customXml/item2.xml><?xml version="1.0" encoding="utf-8"?>
-<p:properties xmlns:p="http://schemas.microsoft.com/office/2006/metadata/properties" xmlns:xsi="http://www.w3.org/2001/XMLSchema-instance" xmlns:pc="http://schemas.microsoft.com/office/infopath/2007/PartnerControls">
-  <documentManagement/>
-</p:properties>
-</file>
-
-<file path=customXml/item3.xml><?xml version="1.0" encoding="utf-8"?>
 <ct:contentTypeSchema xmlns:ct="http://schemas.microsoft.com/office/2006/metadata/contentType" xmlns:ma="http://schemas.microsoft.com/office/2006/metadata/properties/metaAttributes" ct:_="" ma:_="" ma:contentTypeName="Document" ma:contentTypeID="0x010100537481E1DCCBB043A7E4880321167946" ma:contentTypeVersion="3" ma:contentTypeDescription="Create a new document." ma:contentTypeScope="" ma:versionID="52af34a4974ab3f8de2c2f38b8ce8f94">
   <xsd:schema xmlns:xsd="http://www.w3.org/2001/XMLSchema" xmlns:xs="http://www.w3.org/2001/XMLSchema" xmlns:p="http://schemas.microsoft.com/office/2006/metadata/properties" xmlns:ns3="c412834d-558c-4c65-b217-eae0caaedaf9" targetNamespace="http://schemas.microsoft.com/office/2006/metadata/properties" ma:root="true" ma:fieldsID="033c53a1f82fc888e13f15edf5ee94e8" ns3:_="">
     <xsd:import namespace="c412834d-558c-4c65-b217-eae0caaedaf9"/>
@@ -5960,10 +5768,35 @@
 </ct:contentTypeSchema>
 </file>
 
+<file path=customXml/item2.xml><?xml version="1.0" encoding="utf-8"?>
+<p:properties xmlns:p="http://schemas.microsoft.com/office/2006/metadata/properties" xmlns:xsi="http://www.w3.org/2001/XMLSchema-instance" xmlns:pc="http://schemas.microsoft.com/office/infopath/2007/PartnerControls">
+  <documentManagement/>
+</p:properties>
+</file>
+
+<file path=customXml/item3.xml><?xml version="1.0" encoding="utf-8"?>
+<?mso-contentType ?>
+<FormTemplates xmlns="http://schemas.microsoft.com/sharepoint/v3/contenttype/forms">
+  <Display>DocumentLibraryForm</Display>
+  <Edit>DocumentLibraryForm</Edit>
+  <New>DocumentLibraryForm</New>
+</FormTemplates>
+</file>
+
 <file path=customXml/itemProps1.xml><?xml version="1.0" encoding="utf-8"?>
-<ds:datastoreItem xmlns:ds="http://schemas.openxmlformats.org/officeDocument/2006/customXml" ds:itemID="{DC32D7A5-9C45-4246-B6AE-12D4F46170D5}">
+<ds:datastoreItem xmlns:ds="http://schemas.openxmlformats.org/officeDocument/2006/customXml" ds:itemID="{5D30C45C-8710-4682-A2FF-D3C88C0577D6}">
   <ds:schemaRefs>
-    <ds:schemaRef ds:uri="http://schemas.microsoft.com/sharepoint/v3/contenttype/forms"/>
+    <ds:schemaRef ds:uri="c412834d-558c-4c65-b217-eae0caaedaf9"/>
+    <ds:schemaRef ds:uri="http://purl.org/dc/elements/1.1/"/>
+    <ds:schemaRef ds:uri="http://purl.org/dc/terms/"/>
+    <ds:schemaRef ds:uri="http://schemas.microsoft.com/internal/obd"/>
+    <ds:schemaRef ds:uri="http://schemas.microsoft.com/office/2006/documentManagement/types"/>
+    <ds:schemaRef ds:uri="http://schemas.microsoft.com/office/2006/metadata/contentType"/>
+    <ds:schemaRef ds:uri="http://schemas.microsoft.com/office/2006/metadata/properties"/>
+    <ds:schemaRef ds:uri="http://schemas.microsoft.com/office/2006/metadata/properties/metaAttributes"/>
+    <ds:schemaRef ds:uri="http://schemas.microsoft.com/office/infopath/2007/PartnerControls"/>
+    <ds:schemaRef ds:uri="http://schemas.openxmlformats.org/package/2006/metadata/core-properties"/>
+    <ds:schemaRef ds:uri="http://www.w3.org/2001/XMLSchema"/>
   </ds:schemaRefs>
 </ds:datastoreItem>
 </file>
@@ -5985,19 +5818,9 @@
 </file>
 
 <file path=customXml/itemProps3.xml><?xml version="1.0" encoding="utf-8"?>
-<ds:datastoreItem xmlns:ds="http://schemas.openxmlformats.org/officeDocument/2006/customXml" ds:itemID="{5D30C45C-8710-4682-A2FF-D3C88C0577D6}">
+<ds:datastoreItem xmlns:ds="http://schemas.openxmlformats.org/officeDocument/2006/customXml" ds:itemID="{DC32D7A5-9C45-4246-B6AE-12D4F46170D5}">
   <ds:schemaRefs>
-    <ds:schemaRef ds:uri="c412834d-558c-4c65-b217-eae0caaedaf9"/>
-    <ds:schemaRef ds:uri="http://purl.org/dc/elements/1.1/"/>
-    <ds:schemaRef ds:uri="http://purl.org/dc/terms/"/>
-    <ds:schemaRef ds:uri="http://schemas.microsoft.com/internal/obd"/>
-    <ds:schemaRef ds:uri="http://schemas.microsoft.com/office/2006/documentManagement/types"/>
-    <ds:schemaRef ds:uri="http://schemas.microsoft.com/office/2006/metadata/contentType"/>
-    <ds:schemaRef ds:uri="http://schemas.microsoft.com/office/2006/metadata/properties"/>
-    <ds:schemaRef ds:uri="http://schemas.microsoft.com/office/2006/metadata/properties/metaAttributes"/>
-    <ds:schemaRef ds:uri="http://schemas.microsoft.com/office/infopath/2007/PartnerControls"/>
-    <ds:schemaRef ds:uri="http://schemas.openxmlformats.org/package/2006/metadata/core-properties"/>
-    <ds:schemaRef ds:uri="http://www.w3.org/2001/XMLSchema"/>
+    <ds:schemaRef ds:uri="http://schemas.microsoft.com/sharepoint/v3/contenttype/forms"/>
   </ds:schemaRefs>
 </ds:datastoreItem>
 </file>